--- a/R/Results/TJHcarn_behamat.pptx
+++ b/R/Results/TJHcarn_behamat.pptx
@@ -4347,7 +4347,7 @@
           <p:spPr>
             <a:xfrm>
               <a:off x="7334282" y="2872359"/>
-              <a:ext cx="82295" cy="1635251"/>
+              <a:ext cx="82295" cy="1635252"/>
             </a:xfrm>
             <a:prstGeom prst="rect">
               <a:avLst/>
@@ -4362,15 +4362,15 @@
           </p:nvSpPr>
           <p:spPr>
             <a:xfrm>
-              <a:off x="7416577" y="3025825"/>
-              <a:ext cx="0" cy="1396281"/>
+              <a:off x="7416577" y="2933489"/>
+              <a:ext cx="0" cy="1549230"/>
             </a:xfrm>
             <a:custGeom>
               <a:avLst/>
               <a:pathLst>
-                <a:path w="0" h="1396281">
+                <a:path w="0" h="1549230">
                   <a:moveTo>
-                    <a:pt x="0" y="1396281"/>
+                    <a:pt x="0" y="1549230"/>
                   </a:moveTo>
                   <a:lnTo>
                     <a:pt x="0" y="0"/>
@@ -4402,7 +4402,7 @@
           </p:nvSpPr>
           <p:spPr>
             <a:xfrm>
-              <a:off x="7416577" y="4422107"/>
+              <a:off x="7416577" y="4482719"/>
               <a:ext cx="91440" cy="0"/>
             </a:xfrm>
             <a:custGeom>
@@ -4442,7 +4442,7 @@
           </p:nvSpPr>
           <p:spPr>
             <a:xfrm>
-              <a:off x="7416577" y="4189393"/>
+              <a:off x="7416577" y="4095411"/>
               <a:ext cx="91440" cy="0"/>
             </a:xfrm>
             <a:custGeom>
@@ -4482,7 +4482,7 @@
           </p:nvSpPr>
           <p:spPr>
             <a:xfrm>
-              <a:off x="7416577" y="3956680"/>
+              <a:off x="7416577" y="3708104"/>
               <a:ext cx="91440" cy="0"/>
             </a:xfrm>
             <a:custGeom>
@@ -4522,7 +4522,7 @@
           </p:nvSpPr>
           <p:spPr>
             <a:xfrm>
-              <a:off x="7416577" y="3723966"/>
+              <a:off x="7416577" y="3320796"/>
               <a:ext cx="91440" cy="0"/>
             </a:xfrm>
             <a:custGeom>
@@ -4562,7 +4562,7 @@
           </p:nvSpPr>
           <p:spPr>
             <a:xfrm>
-              <a:off x="7416577" y="3491253"/>
+              <a:off x="7416577" y="2933489"/>
               <a:ext cx="91440" cy="0"/>
             </a:xfrm>
             <a:custGeom>
@@ -4596,94 +4596,14 @@
         </p:sp>
         <p:sp>
           <p:nvSpPr>
-            <p:cNvPr id="39" name="pl39"/>
+            <p:cNvPr id="39" name="tx39"/>
             <p:cNvSpPr/>
             <p:nvPr/>
           </p:nvSpPr>
           <p:spPr>
             <a:xfrm>
-              <a:off x="7416577" y="3258539"/>
-              <a:ext cx="91440" cy="0"/>
-            </a:xfrm>
-            <a:custGeom>
-              <a:avLst/>
-              <a:pathLst>
-                <a:path w="91440" h="0">
-                  <a:moveTo>
-                    <a:pt x="0" y="0"/>
-                  </a:moveTo>
-                  <a:lnTo>
-                    <a:pt x="91440" y="0"/>
-                  </a:lnTo>
-                </a:path>
-              </a:pathLst>
-            </a:custGeom>
-            <a:ln w="9525" cap="rnd">
-              <a:solidFill>
-                <a:srgbClr val="000000">
-                  <a:alpha val="100000"/>
-                </a:srgbClr>
-              </a:solidFill>
-              <a:prstDash val="solid"/>
-              <a:round/>
-            </a:ln>
-          </p:spPr>
-          <p:txBody>
-            <a:bodyPr/>
-            <a:lstStyle/>
-            <a:p/>
-          </p:txBody>
-        </p:sp>
-        <p:sp>
-          <p:nvSpPr>
-            <p:cNvPr id="40" name="pl40"/>
-            <p:cNvSpPr/>
-            <p:nvPr/>
-          </p:nvSpPr>
-          <p:spPr>
-            <a:xfrm>
-              <a:off x="7416577" y="3025825"/>
-              <a:ext cx="91440" cy="0"/>
-            </a:xfrm>
-            <a:custGeom>
-              <a:avLst/>
-              <a:pathLst>
-                <a:path w="91440" h="0">
-                  <a:moveTo>
-                    <a:pt x="0" y="0"/>
-                  </a:moveTo>
-                  <a:lnTo>
-                    <a:pt x="91440" y="0"/>
-                  </a:lnTo>
-                </a:path>
-              </a:pathLst>
-            </a:custGeom>
-            <a:ln w="9525" cap="rnd">
-              <a:solidFill>
-                <a:srgbClr val="000000">
-                  <a:alpha val="100000"/>
-                </a:srgbClr>
-              </a:solidFill>
-              <a:prstDash val="solid"/>
-              <a:round/>
-            </a:ln>
-          </p:spPr>
-          <p:txBody>
-            <a:bodyPr/>
-            <a:lstStyle/>
-            <a:p/>
-          </p:txBody>
-        </p:sp>
-        <p:sp>
-          <p:nvSpPr>
-            <p:cNvPr id="41" name="tx41"/>
-            <p:cNvSpPr/>
-            <p:nvPr/>
-          </p:nvSpPr>
-          <p:spPr>
-            <a:xfrm>
-              <a:off x="7599458" y="4365255"/>
-              <a:ext cx="347364" cy="111397"/>
+              <a:off x="7599458" y="4425867"/>
+              <a:ext cx="262607" cy="111397"/>
             </a:xfrm>
             <a:prstGeom prst="rect">
               <a:avLst/>
@@ -4715,21 +4635,21 @@
                   <a:latin typeface="Arial"/>
                   <a:cs typeface="Arial"/>
                 </a:rPr>
-                <a:t>-0.05</a:t>
+                <a:t>-0.1</a:t>
               </a:r>
             </a:p>
           </p:txBody>
         </p:sp>
         <p:sp>
           <p:nvSpPr>
-            <p:cNvPr id="42" name="tx42"/>
+            <p:cNvPr id="40" name="tx40"/>
             <p:cNvSpPr/>
             <p:nvPr/>
           </p:nvSpPr>
           <p:spPr>
             <a:xfrm>
-              <a:off x="7599458" y="4132541"/>
-              <a:ext cx="296614" cy="111397"/>
+              <a:off x="7599458" y="4038559"/>
+              <a:ext cx="211856" cy="111397"/>
             </a:xfrm>
             <a:prstGeom prst="rect">
               <a:avLst/>
@@ -4761,21 +4681,21 @@
                   <a:latin typeface="Arial"/>
                   <a:cs typeface="Arial"/>
                 </a:rPr>
-                <a:t>0.00</a:t>
+                <a:t>0.0</a:t>
               </a:r>
             </a:p>
           </p:txBody>
         </p:sp>
         <p:sp>
           <p:nvSpPr>
-            <p:cNvPr id="43" name="tx43"/>
+            <p:cNvPr id="41" name="tx41"/>
             <p:cNvSpPr/>
             <p:nvPr/>
           </p:nvSpPr>
           <p:spPr>
             <a:xfrm>
-              <a:off x="7599458" y="3899827"/>
-              <a:ext cx="296614" cy="111397"/>
+              <a:off x="7599458" y="3651252"/>
+              <a:ext cx="211856" cy="111397"/>
             </a:xfrm>
             <a:prstGeom prst="rect">
               <a:avLst/>
@@ -4807,21 +4727,21 @@
                   <a:latin typeface="Arial"/>
                   <a:cs typeface="Arial"/>
                 </a:rPr>
-                <a:t>0.05</a:t>
+                <a:t>0.1</a:t>
               </a:r>
             </a:p>
           </p:txBody>
         </p:sp>
         <p:sp>
           <p:nvSpPr>
-            <p:cNvPr id="44" name="tx44"/>
+            <p:cNvPr id="42" name="tx42"/>
             <p:cNvSpPr/>
             <p:nvPr/>
           </p:nvSpPr>
           <p:spPr>
             <a:xfrm>
-              <a:off x="7599458" y="3667114"/>
-              <a:ext cx="296614" cy="111397"/>
+              <a:off x="7599458" y="3263944"/>
+              <a:ext cx="211856" cy="111397"/>
             </a:xfrm>
             <a:prstGeom prst="rect">
               <a:avLst/>
@@ -4853,21 +4773,21 @@
                   <a:latin typeface="Arial"/>
                   <a:cs typeface="Arial"/>
                 </a:rPr>
-                <a:t>0.10</a:t>
+                <a:t>0.2</a:t>
               </a:r>
             </a:p>
           </p:txBody>
         </p:sp>
         <p:sp>
           <p:nvSpPr>
-            <p:cNvPr id="45" name="tx45"/>
+            <p:cNvPr id="43" name="tx43"/>
             <p:cNvSpPr/>
             <p:nvPr/>
           </p:nvSpPr>
           <p:spPr>
             <a:xfrm>
-              <a:off x="7599458" y="3434400"/>
-              <a:ext cx="296614" cy="111397"/>
+              <a:off x="7599458" y="2876562"/>
+              <a:ext cx="211856" cy="111472"/>
             </a:xfrm>
             <a:prstGeom prst="rect">
               <a:avLst/>
@@ -4899,106 +4819,14 @@
                   <a:latin typeface="Arial"/>
                   <a:cs typeface="Arial"/>
                 </a:rPr>
-                <a:t>0.15</a:t>
+                <a:t>0.3</a:t>
               </a:r>
             </a:p>
           </p:txBody>
         </p:sp>
         <p:sp>
           <p:nvSpPr>
-            <p:cNvPr id="46" name="tx46"/>
-            <p:cNvSpPr/>
-            <p:nvPr/>
-          </p:nvSpPr>
-          <p:spPr>
-            <a:xfrm>
-              <a:off x="7599458" y="3201687"/>
-              <a:ext cx="296614" cy="111397"/>
-            </a:xfrm>
-            <a:prstGeom prst="rect">
-              <a:avLst/>
-            </a:prstGeom>
-            <a:noFill/>
-          </p:spPr>
-          <p:txBody>
-            <a:bodyPr lIns="0" rIns="0" tIns="0" bIns="0" anchorCtr="1" anchor="ctr" wrap="none"/>
-            <a:lstStyle/>
-            <a:p>
-              <a:pPr algn="l" marL="0" marR="0" indent="0">
-                <a:lnSpc>
-                  <a:spcPts val="1200"/>
-                </a:lnSpc>
-                <a:spcBef>
-                  <a:spcPts val="0"/>
-                </a:spcBef>
-                <a:spcAft>
-                  <a:spcPts val="0"/>
-                </a:spcAft>
-              </a:pPr>
-              <a:r>
-                <a:rPr sz="1200">
-                  <a:solidFill>
-                    <a:srgbClr val="000000">
-                      <a:alpha val="100000"/>
-                    </a:srgbClr>
-                  </a:solidFill>
-                  <a:latin typeface="Arial"/>
-                  <a:cs typeface="Arial"/>
-                </a:rPr>
-                <a:t>0.20</a:t>
-              </a:r>
-            </a:p>
-          </p:txBody>
-        </p:sp>
-        <p:sp>
-          <p:nvSpPr>
-            <p:cNvPr id="47" name="tx47"/>
-            <p:cNvSpPr/>
-            <p:nvPr/>
-          </p:nvSpPr>
-          <p:spPr>
-            <a:xfrm>
-              <a:off x="7599458" y="2968973"/>
-              <a:ext cx="296614" cy="111397"/>
-            </a:xfrm>
-            <a:prstGeom prst="rect">
-              <a:avLst/>
-            </a:prstGeom>
-            <a:noFill/>
-          </p:spPr>
-          <p:txBody>
-            <a:bodyPr lIns="0" rIns="0" tIns="0" bIns="0" anchorCtr="1" anchor="ctr" wrap="none"/>
-            <a:lstStyle/>
-            <a:p>
-              <a:pPr algn="l" marL="0" marR="0" indent="0">
-                <a:lnSpc>
-                  <a:spcPts val="1200"/>
-                </a:lnSpc>
-                <a:spcBef>
-                  <a:spcPts val="0"/>
-                </a:spcBef>
-                <a:spcAft>
-                  <a:spcPts val="0"/>
-                </a:spcAft>
-              </a:pPr>
-              <a:r>
-                <a:rPr sz="1200">
-                  <a:solidFill>
-                    <a:srgbClr val="000000">
-                      <a:alpha val="100000"/>
-                    </a:srgbClr>
-                  </a:solidFill>
-                  <a:latin typeface="Arial"/>
-                  <a:cs typeface="Arial"/>
-                </a:rPr>
-                <a:t>0.25</a:t>
-              </a:r>
-            </a:p>
-          </p:txBody>
-        </p:sp>
-        <p:sp>
-          <p:nvSpPr>
-            <p:cNvPr id="48" name="pl48"/>
+            <p:cNvPr id="44" name="pl44"/>
             <p:cNvSpPr/>
             <p:nvPr/>
           </p:nvSpPr>
@@ -5047,7 +4875,7 @@
         </p:sp>
         <p:sp>
           <p:nvSpPr>
-            <p:cNvPr id="49" name="pl49"/>
+            <p:cNvPr id="45" name="pl45"/>
             <p:cNvSpPr/>
             <p:nvPr/>
           </p:nvSpPr>
